--- a/Documents/chapter-2/images/pictures.pptx
+++ b/Documents/chapter-2/images/pictures.pptx
@@ -105,6 +105,11 @@
       </a:defRPr>
     </a:lvl9pPr>
   </p:defaultTextStyle>
+  <p:extLst>
+    <p:ext uri="{EFAFB233-063F-42B5-8137-9DF3F51BA10A}">
+      <p15:sldGuideLst xmlns:p15="http://schemas.microsoft.com/office/powerpoint/2012/main"/>
+    </p:ext>
+  </p:extLst>
 </p:presentation>
 </file>
 
@@ -239,7 +244,7 @@
           <a:p>
             <a:fld id="{13F7316A-1CA2-5742-BB9D-0DBB8DBDEEB3}" type="datetimeFigureOut">
               <a:rPr lang="en-GB" smtClean="0"/>
-              <a:t>29/09/2018</a:t>
+              <a:t>15/10/2018</a:t>
             </a:fld>
             <a:endParaRPr lang="en-GB"/>
           </a:p>
@@ -404,7 +409,7 @@
           <a:p>
             <a:fld id="{13F7316A-1CA2-5742-BB9D-0DBB8DBDEEB3}" type="datetimeFigureOut">
               <a:rPr lang="en-GB" smtClean="0"/>
-              <a:t>29/09/2018</a:t>
+              <a:t>15/10/2018</a:t>
             </a:fld>
             <a:endParaRPr lang="en-GB"/>
           </a:p>
@@ -579,7 +584,7 @@
           <a:p>
             <a:fld id="{13F7316A-1CA2-5742-BB9D-0DBB8DBDEEB3}" type="datetimeFigureOut">
               <a:rPr lang="en-GB" smtClean="0"/>
-              <a:t>29/09/2018</a:t>
+              <a:t>15/10/2018</a:t>
             </a:fld>
             <a:endParaRPr lang="en-GB"/>
           </a:p>
@@ -744,7 +749,7 @@
           <a:p>
             <a:fld id="{13F7316A-1CA2-5742-BB9D-0DBB8DBDEEB3}" type="datetimeFigureOut">
               <a:rPr lang="en-GB" smtClean="0"/>
-              <a:t>29/09/2018</a:t>
+              <a:t>15/10/2018</a:t>
             </a:fld>
             <a:endParaRPr lang="en-GB"/>
           </a:p>
@@ -985,7 +990,7 @@
           <a:p>
             <a:fld id="{13F7316A-1CA2-5742-BB9D-0DBB8DBDEEB3}" type="datetimeFigureOut">
               <a:rPr lang="en-GB" smtClean="0"/>
-              <a:t>29/09/2018</a:t>
+              <a:t>15/10/2018</a:t>
             </a:fld>
             <a:endParaRPr lang="en-GB"/>
           </a:p>
@@ -1212,7 +1217,7 @@
           <a:p>
             <a:fld id="{13F7316A-1CA2-5742-BB9D-0DBB8DBDEEB3}" type="datetimeFigureOut">
               <a:rPr lang="en-GB" smtClean="0"/>
-              <a:t>29/09/2018</a:t>
+              <a:t>15/10/2018</a:t>
             </a:fld>
             <a:endParaRPr lang="en-GB"/>
           </a:p>
@@ -1574,7 +1579,7 @@
           <a:p>
             <a:fld id="{13F7316A-1CA2-5742-BB9D-0DBB8DBDEEB3}" type="datetimeFigureOut">
               <a:rPr lang="en-GB" smtClean="0"/>
-              <a:t>29/09/2018</a:t>
+              <a:t>15/10/2018</a:t>
             </a:fld>
             <a:endParaRPr lang="en-GB"/>
           </a:p>
@@ -1687,7 +1692,7 @@
           <a:p>
             <a:fld id="{13F7316A-1CA2-5742-BB9D-0DBB8DBDEEB3}" type="datetimeFigureOut">
               <a:rPr lang="en-GB" smtClean="0"/>
-              <a:t>29/09/2018</a:t>
+              <a:t>15/10/2018</a:t>
             </a:fld>
             <a:endParaRPr lang="en-GB"/>
           </a:p>
@@ -1777,7 +1782,7 @@
           <a:p>
             <a:fld id="{13F7316A-1CA2-5742-BB9D-0DBB8DBDEEB3}" type="datetimeFigureOut">
               <a:rPr lang="en-GB" smtClean="0"/>
-              <a:t>29/09/2018</a:t>
+              <a:t>15/10/2018</a:t>
             </a:fld>
             <a:endParaRPr lang="en-GB"/>
           </a:p>
@@ -2049,7 +2054,7 @@
           <a:p>
             <a:fld id="{13F7316A-1CA2-5742-BB9D-0DBB8DBDEEB3}" type="datetimeFigureOut">
               <a:rPr lang="en-GB" smtClean="0"/>
-              <a:t>29/09/2018</a:t>
+              <a:t>15/10/2018</a:t>
             </a:fld>
             <a:endParaRPr lang="en-GB"/>
           </a:p>
@@ -2301,7 +2306,7 @@
           <a:p>
             <a:fld id="{13F7316A-1CA2-5742-BB9D-0DBB8DBDEEB3}" type="datetimeFigureOut">
               <a:rPr lang="en-GB" smtClean="0"/>
-              <a:t>29/09/2018</a:t>
+              <a:t>15/10/2018</a:t>
             </a:fld>
             <a:endParaRPr lang="en-GB"/>
           </a:p>
@@ -2509,7 +2514,7 @@
           <a:p>
             <a:fld id="{13F7316A-1CA2-5742-BB9D-0DBB8DBDEEB3}" type="datetimeFigureOut">
               <a:rPr lang="en-GB" smtClean="0"/>
-              <a:t>29/09/2018</a:t>
+              <a:t>15/10/2018</a:t>
             </a:fld>
             <a:endParaRPr lang="en-GB"/>
           </a:p>
@@ -2922,7 +2927,7 @@
         </p:nvSpPr>
         <p:spPr>
           <a:xfrm>
-            <a:off x="4391265" y="2249825"/>
+            <a:off x="3576256" y="2249825"/>
             <a:ext cx="1618937" cy="1648918"/>
           </a:xfrm>
           <a:prstGeom prst="cube">
@@ -2969,7 +2974,7 @@
         </p:nvSpPr>
         <p:spPr>
           <a:xfrm>
-            <a:off x="7281362" y="1013140"/>
+            <a:off x="6466353" y="1013140"/>
             <a:ext cx="344773" cy="4122288"/>
           </a:xfrm>
           <a:prstGeom prst="rect">
@@ -3014,7 +3019,7 @@
         </p:nvSpPr>
         <p:spPr>
           <a:xfrm>
-            <a:off x="8897297" y="1572643"/>
+            <a:off x="9828988" y="1607322"/>
             <a:ext cx="419725" cy="419725"/>
           </a:xfrm>
           <a:prstGeom prst="ellipse">
@@ -3059,7 +3064,7 @@
         </p:nvSpPr>
         <p:spPr>
           <a:xfrm>
-            <a:off x="8897297" y="2082309"/>
+            <a:off x="9828988" y="2116988"/>
             <a:ext cx="419725" cy="419725"/>
           </a:xfrm>
           <a:prstGeom prst="ellipse">
@@ -3104,7 +3109,7 @@
         </p:nvSpPr>
         <p:spPr>
           <a:xfrm>
-            <a:off x="8897296" y="2569487"/>
+            <a:off x="9828987" y="2604166"/>
             <a:ext cx="419725" cy="419725"/>
           </a:xfrm>
           <a:prstGeom prst="ellipse">
@@ -3149,7 +3154,7 @@
         </p:nvSpPr>
         <p:spPr>
           <a:xfrm>
-            <a:off x="8897295" y="3577571"/>
+            <a:off x="9828986" y="3612250"/>
             <a:ext cx="419725" cy="419725"/>
           </a:xfrm>
           <a:prstGeom prst="ellipse">
@@ -3194,7 +3199,7 @@
         </p:nvSpPr>
         <p:spPr>
           <a:xfrm>
-            <a:off x="8897295" y="3079153"/>
+            <a:off x="9828986" y="3113832"/>
             <a:ext cx="419725" cy="419725"/>
           </a:xfrm>
           <a:prstGeom prst="ellipse">
@@ -3239,7 +3244,7 @@
         </p:nvSpPr>
         <p:spPr>
           <a:xfrm>
-            <a:off x="8897295" y="4075989"/>
+            <a:off x="9828986" y="4110668"/>
             <a:ext cx="419725" cy="419725"/>
           </a:xfrm>
           <a:prstGeom prst="ellipse">
@@ -3284,7 +3289,7 @@
         </p:nvSpPr>
         <p:spPr>
           <a:xfrm>
-            <a:off x="11400656" y="2284673"/>
+            <a:off x="12332347" y="2319352"/>
             <a:ext cx="419725" cy="419725"/>
           </a:xfrm>
           <a:prstGeom prst="ellipse">
@@ -3329,7 +3334,7 @@
         </p:nvSpPr>
         <p:spPr>
           <a:xfrm>
-            <a:off x="11400660" y="2880530"/>
+            <a:off x="12332351" y="2915209"/>
             <a:ext cx="419725" cy="419725"/>
           </a:xfrm>
           <a:prstGeom prst="ellipse">
@@ -3374,7 +3379,7 @@
         </p:nvSpPr>
         <p:spPr>
           <a:xfrm>
-            <a:off x="11400659" y="3367708"/>
+            <a:off x="12332347" y="3537950"/>
             <a:ext cx="419725" cy="419725"/>
           </a:xfrm>
           <a:prstGeom prst="ellipse">
@@ -3419,7 +3424,7 @@
         </p:nvSpPr>
         <p:spPr>
           <a:xfrm rot="5400000">
-            <a:off x="8975998" y="2265931"/>
+            <a:off x="9907689" y="2300610"/>
             <a:ext cx="2735695" cy="1723871"/>
           </a:xfrm>
           <a:prstGeom prst="trapezoid">
@@ -3483,7 +3488,7 @@
         </p:blipFill>
         <p:spPr>
           <a:xfrm>
-            <a:off x="1447465" y="2498278"/>
+            <a:off x="632456" y="2498278"/>
             <a:ext cx="1429322" cy="1429322"/>
           </a:xfrm>
           <a:prstGeom prst="rect">
@@ -3499,7 +3504,7 @@
         </p:nvSpPr>
         <p:spPr>
           <a:xfrm>
-            <a:off x="1674133" y="4161061"/>
+            <a:off x="859124" y="4161061"/>
             <a:ext cx="797013" cy="369332"/>
           </a:xfrm>
           <a:prstGeom prst="rect">
@@ -3528,7 +3533,7 @@
         </p:nvCxnSpPr>
         <p:spPr>
           <a:xfrm>
-            <a:off x="3004812" y="3212938"/>
+            <a:off x="2189803" y="3212938"/>
             <a:ext cx="1084354" cy="0"/>
           </a:xfrm>
           <a:prstGeom prst="straightConnector1">
@@ -3561,7 +3566,7 @@
         </p:nvSpPr>
         <p:spPr>
           <a:xfrm>
-            <a:off x="2890752" y="3401031"/>
+            <a:off x="2075743" y="3401031"/>
             <a:ext cx="1335622" cy="400110"/>
           </a:xfrm>
           <a:prstGeom prst="rect">
@@ -3596,7 +3601,7 @@
         </p:nvSpPr>
         <p:spPr>
           <a:xfrm>
-            <a:off x="4139139" y="3477977"/>
+            <a:off x="3324130" y="3477977"/>
             <a:ext cx="302098" cy="246221"/>
           </a:xfrm>
           <a:prstGeom prst="rect">
@@ -3625,7 +3630,7 @@
         </p:nvSpPr>
         <p:spPr>
           <a:xfrm>
-            <a:off x="4445488" y="3915625"/>
+            <a:off x="3630479" y="3915625"/>
             <a:ext cx="302098" cy="246221"/>
           </a:xfrm>
           <a:prstGeom prst="rect">
@@ -3654,7 +3659,7 @@
         </p:nvSpPr>
         <p:spPr>
           <a:xfrm>
-            <a:off x="5467177" y="3212939"/>
+            <a:off x="4652168" y="3212939"/>
             <a:ext cx="831816" cy="246221"/>
           </a:xfrm>
           <a:prstGeom prst="rect">
@@ -3683,7 +3688,7 @@
         </p:nvCxnSpPr>
         <p:spPr>
           <a:xfrm>
-            <a:off x="6010201" y="3236886"/>
+            <a:off x="5195192" y="3236886"/>
             <a:ext cx="1084354" cy="0"/>
           </a:xfrm>
           <a:prstGeom prst="straightConnector1">
@@ -3716,7 +3721,7 @@
         </p:nvSpPr>
         <p:spPr>
           <a:xfrm>
-            <a:off x="6210492" y="3309620"/>
+            <a:off x="5395483" y="3309620"/>
             <a:ext cx="554960" cy="246221"/>
           </a:xfrm>
           <a:prstGeom prst="rect">
@@ -3745,7 +3750,7 @@
         </p:nvSpPr>
         <p:spPr>
           <a:xfrm>
-            <a:off x="7640743" y="3127867"/>
+            <a:off x="6825734" y="3127867"/>
             <a:ext cx="453970" cy="246221"/>
           </a:xfrm>
           <a:prstGeom prst="rect">
@@ -3774,7 +3779,7 @@
         </p:nvSpPr>
         <p:spPr>
           <a:xfrm>
-            <a:off x="8413211" y="3127867"/>
+            <a:off x="9344902" y="3162546"/>
             <a:ext cx="386644" cy="246221"/>
           </a:xfrm>
           <a:prstGeom prst="rect">
@@ -3803,7 +3808,7 @@
         </p:nvSpPr>
         <p:spPr>
           <a:xfrm>
-            <a:off x="7281361" y="5845630"/>
+            <a:off x="6466352" y="5845630"/>
             <a:ext cx="1518494" cy="375557"/>
           </a:xfrm>
           <a:prstGeom prst="leftArrow">
@@ -3854,7 +3859,7 @@
         </p:nvSpPr>
         <p:spPr>
           <a:xfrm rot="10800000">
-            <a:off x="10301886" y="5853794"/>
+            <a:off x="9486877" y="5853794"/>
             <a:ext cx="1518494" cy="375557"/>
           </a:xfrm>
           <a:prstGeom prst="leftArrow">
@@ -3905,7 +3910,7 @@
         </p:nvSpPr>
         <p:spPr>
           <a:xfrm>
-            <a:off x="8799855" y="5913917"/>
+            <a:off x="7984846" y="5913917"/>
             <a:ext cx="1604927" cy="276999"/>
           </a:xfrm>
           <a:prstGeom prst="rect">
@@ -3928,6 +3933,146 @@
               <a:t>connected layers</a:t>
             </a:r>
             <a:endParaRPr lang="en-GB" sz="1200" dirty="0"/>
+          </a:p>
+        </p:txBody>
+      </p:sp>
+      <p:sp>
+        <p:nvSpPr>
+          <p:cNvPr id="28" name="梯形 27"/>
+          <p:cNvSpPr/>
+          <p:nvPr/>
+        </p:nvSpPr>
+        <p:spPr>
+          <a:xfrm rot="5400000">
+            <a:off x="6357605" y="2213068"/>
+            <a:ext cx="4122289" cy="1722434"/>
+          </a:xfrm>
+          <a:prstGeom prst="trapezoid">
+            <a:avLst>
+              <a:gd name="adj" fmla="val 37174"/>
+            </a:avLst>
+          </a:prstGeom>
+          <a:solidFill>
+            <a:schemeClr val="bg2"/>
+          </a:solidFill>
+        </p:spPr>
+        <p:style>
+          <a:lnRef idx="2">
+            <a:schemeClr val="accent1">
+              <a:shade val="50000"/>
+            </a:schemeClr>
+          </a:lnRef>
+          <a:fillRef idx="1">
+            <a:schemeClr val="accent1"/>
+          </a:fillRef>
+          <a:effectRef idx="0">
+            <a:schemeClr val="accent1"/>
+          </a:effectRef>
+          <a:fontRef idx="minor">
+            <a:schemeClr val="lt1"/>
+          </a:fontRef>
+        </p:style>
+        <p:txBody>
+          <a:bodyPr rot="0" spcFirstLastPara="0" vertOverflow="overflow" horzOverflow="overflow" vert="horz" wrap="square" lIns="91440" tIns="45720" rIns="91440" bIns="45720" numCol="1" spcCol="0" rtlCol="0" fromWordArt="0" anchor="ctr" anchorCtr="0" forceAA="0" compatLnSpc="1">
+            <a:prstTxWarp prst="textNoShape">
+              <a:avLst/>
+            </a:prstTxWarp>
+            <a:noAutofit/>
+          </a:bodyPr>
+          <a:lstStyle/>
+          <a:p>
+            <a:pPr algn="ctr"/>
+            <a:endParaRPr lang="en-GB"/>
+          </a:p>
+        </p:txBody>
+      </p:sp>
+      <p:sp>
+        <p:nvSpPr>
+          <p:cNvPr id="30" name="文本框 29"/>
+          <p:cNvSpPr txBox="1"/>
+          <p:nvPr/>
+        </p:nvSpPr>
+        <p:spPr>
+          <a:xfrm>
+            <a:off x="7944760" y="3138422"/>
+            <a:ext cx="984565" cy="246221"/>
+          </a:xfrm>
+          <a:prstGeom prst="rect">
+            <a:avLst/>
+          </a:prstGeom>
+          <a:noFill/>
+        </p:spPr>
+        <p:txBody>
+          <a:bodyPr wrap="none" rtlCol="0">
+            <a:spAutoFit/>
+          </a:bodyPr>
+          <a:lstStyle/>
+          <a:p>
+            <a:r>
+              <a:rPr lang="en-GB" sz="1000" smtClean="0"/>
+              <a:t>fully connected</a:t>
+            </a:r>
+            <a:endParaRPr lang="en-GB" sz="1000" dirty="0"/>
+          </a:p>
+        </p:txBody>
+      </p:sp>
+      <p:sp>
+        <p:nvSpPr>
+          <p:cNvPr id="33" name="文本框 32"/>
+          <p:cNvSpPr txBox="1"/>
+          <p:nvPr/>
+        </p:nvSpPr>
+        <p:spPr>
+          <a:xfrm>
+            <a:off x="10760659" y="3063399"/>
+            <a:ext cx="984565" cy="246221"/>
+          </a:xfrm>
+          <a:prstGeom prst="rect">
+            <a:avLst/>
+          </a:prstGeom>
+          <a:noFill/>
+        </p:spPr>
+        <p:txBody>
+          <a:bodyPr wrap="none" rtlCol="0">
+            <a:spAutoFit/>
+          </a:bodyPr>
+          <a:lstStyle/>
+          <a:p>
+            <a:r>
+              <a:rPr lang="en-GB" sz="1000" smtClean="0"/>
+              <a:t>fully connected</a:t>
+            </a:r>
+            <a:endParaRPr lang="en-GB" sz="1000" dirty="0"/>
+          </a:p>
+        </p:txBody>
+      </p:sp>
+      <p:sp>
+        <p:nvSpPr>
+          <p:cNvPr id="38" name="文本框 37"/>
+          <p:cNvSpPr txBox="1"/>
+          <p:nvPr/>
+        </p:nvSpPr>
+        <p:spPr>
+          <a:xfrm>
+            <a:off x="12929115" y="3030130"/>
+            <a:ext cx="1223412" cy="246221"/>
+          </a:xfrm>
+          <a:prstGeom prst="rect">
+            <a:avLst/>
+          </a:prstGeom>
+          <a:noFill/>
+        </p:spPr>
+        <p:txBody>
+          <a:bodyPr wrap="none" rtlCol="0">
+            <a:spAutoFit/>
+          </a:bodyPr>
+          <a:lstStyle/>
+          <a:p>
+            <a:r>
+              <a:rPr lang="en-GB" sz="1000" dirty="0" smtClean="0"/>
+              <a:t>3-class classification</a:t>
+            </a:r>
+            <a:endParaRPr lang="en-GB" sz="1000" dirty="0"/>
           </a:p>
         </p:txBody>
       </p:sp>

--- a/Documents/chapter-2/images/pictures.pptx
+++ b/Documents/chapter-2/images/pictures.pptx
@@ -244,7 +244,7 @@
           <a:p>
             <a:fld id="{13F7316A-1CA2-5742-BB9D-0DBB8DBDEEB3}" type="datetimeFigureOut">
               <a:rPr lang="en-GB" smtClean="0"/>
-              <a:t>15/10/2018</a:t>
+              <a:t>11/11/2018</a:t>
             </a:fld>
             <a:endParaRPr lang="en-GB"/>
           </a:p>
@@ -409,7 +409,7 @@
           <a:p>
             <a:fld id="{13F7316A-1CA2-5742-BB9D-0DBB8DBDEEB3}" type="datetimeFigureOut">
               <a:rPr lang="en-GB" smtClean="0"/>
-              <a:t>15/10/2018</a:t>
+              <a:t>11/11/2018</a:t>
             </a:fld>
             <a:endParaRPr lang="en-GB"/>
           </a:p>
@@ -584,7 +584,7 @@
           <a:p>
             <a:fld id="{13F7316A-1CA2-5742-BB9D-0DBB8DBDEEB3}" type="datetimeFigureOut">
               <a:rPr lang="en-GB" smtClean="0"/>
-              <a:t>15/10/2018</a:t>
+              <a:t>11/11/2018</a:t>
             </a:fld>
             <a:endParaRPr lang="en-GB"/>
           </a:p>
@@ -749,7 +749,7 @@
           <a:p>
             <a:fld id="{13F7316A-1CA2-5742-BB9D-0DBB8DBDEEB3}" type="datetimeFigureOut">
               <a:rPr lang="en-GB" smtClean="0"/>
-              <a:t>15/10/2018</a:t>
+              <a:t>11/11/2018</a:t>
             </a:fld>
             <a:endParaRPr lang="en-GB"/>
           </a:p>
@@ -990,7 +990,7 @@
           <a:p>
             <a:fld id="{13F7316A-1CA2-5742-BB9D-0DBB8DBDEEB3}" type="datetimeFigureOut">
               <a:rPr lang="en-GB" smtClean="0"/>
-              <a:t>15/10/2018</a:t>
+              <a:t>11/11/2018</a:t>
             </a:fld>
             <a:endParaRPr lang="en-GB"/>
           </a:p>
@@ -1217,7 +1217,7 @@
           <a:p>
             <a:fld id="{13F7316A-1CA2-5742-BB9D-0DBB8DBDEEB3}" type="datetimeFigureOut">
               <a:rPr lang="en-GB" smtClean="0"/>
-              <a:t>15/10/2018</a:t>
+              <a:t>11/11/2018</a:t>
             </a:fld>
             <a:endParaRPr lang="en-GB"/>
           </a:p>
@@ -1579,7 +1579,7 @@
           <a:p>
             <a:fld id="{13F7316A-1CA2-5742-BB9D-0DBB8DBDEEB3}" type="datetimeFigureOut">
               <a:rPr lang="en-GB" smtClean="0"/>
-              <a:t>15/10/2018</a:t>
+              <a:t>11/11/2018</a:t>
             </a:fld>
             <a:endParaRPr lang="en-GB"/>
           </a:p>
@@ -1692,7 +1692,7 @@
           <a:p>
             <a:fld id="{13F7316A-1CA2-5742-BB9D-0DBB8DBDEEB3}" type="datetimeFigureOut">
               <a:rPr lang="en-GB" smtClean="0"/>
-              <a:t>15/10/2018</a:t>
+              <a:t>11/11/2018</a:t>
             </a:fld>
             <a:endParaRPr lang="en-GB"/>
           </a:p>
@@ -1782,7 +1782,7 @@
           <a:p>
             <a:fld id="{13F7316A-1CA2-5742-BB9D-0DBB8DBDEEB3}" type="datetimeFigureOut">
               <a:rPr lang="en-GB" smtClean="0"/>
-              <a:t>15/10/2018</a:t>
+              <a:t>11/11/2018</a:t>
             </a:fld>
             <a:endParaRPr lang="en-GB"/>
           </a:p>
@@ -2054,7 +2054,7 @@
           <a:p>
             <a:fld id="{13F7316A-1CA2-5742-BB9D-0DBB8DBDEEB3}" type="datetimeFigureOut">
               <a:rPr lang="en-GB" smtClean="0"/>
-              <a:t>15/10/2018</a:t>
+              <a:t>11/11/2018</a:t>
             </a:fld>
             <a:endParaRPr lang="en-GB"/>
           </a:p>
@@ -2306,7 +2306,7 @@
           <a:p>
             <a:fld id="{13F7316A-1CA2-5742-BB9D-0DBB8DBDEEB3}" type="datetimeFigureOut">
               <a:rPr lang="en-GB" smtClean="0"/>
-              <a:t>15/10/2018</a:t>
+              <a:t>11/11/2018</a:t>
             </a:fld>
             <a:endParaRPr lang="en-GB"/>
           </a:p>
@@ -2514,7 +2514,7 @@
           <a:p>
             <a:fld id="{13F7316A-1CA2-5742-BB9D-0DBB8DBDEEB3}" type="datetimeFigureOut">
               <a:rPr lang="en-GB" smtClean="0"/>
-              <a:t>15/10/2018</a:t>
+              <a:t>11/11/2018</a:t>
             </a:fld>
             <a:endParaRPr lang="en-GB"/>
           </a:p>
@@ -3504,8 +3504,8 @@
         </p:nvSpPr>
         <p:spPr>
           <a:xfrm>
-            <a:off x="859124" y="4161061"/>
-            <a:ext cx="797013" cy="369332"/>
+            <a:off x="1039396" y="4009498"/>
+            <a:ext cx="2576475" cy="338554"/>
           </a:xfrm>
           <a:prstGeom prst="rect">
             <a:avLst/>
@@ -3513,13 +3513,13 @@
           <a:noFill/>
         </p:spPr>
         <p:txBody>
-          <a:bodyPr wrap="none" rtlCol="0">
+          <a:bodyPr wrap="square" rtlCol="0">
             <a:spAutoFit/>
           </a:bodyPr>
           <a:lstStyle/>
           <a:p>
             <a:r>
-              <a:rPr lang="en-GB" dirty="0"/>
+              <a:rPr lang="en-GB" sz="1600" dirty="0"/>
               <a:t>image</a:t>
             </a:r>
           </a:p>
@@ -3566,8 +3566,8 @@
         </p:nvSpPr>
         <p:spPr>
           <a:xfrm>
-            <a:off x="2075743" y="3401031"/>
-            <a:ext cx="1335622" cy="400110"/>
+            <a:off x="2188309" y="3323694"/>
+            <a:ext cx="1295163" cy="830997"/>
           </a:xfrm>
           <a:prstGeom prst="rect">
             <a:avLst/>
@@ -3581,13 +3581,21 @@
           <a:lstStyle/>
           <a:p>
             <a:r>
-              <a:rPr lang="en-GB" sz="1000" dirty="0"/>
-              <a:t>several convolutions </a:t>
-            </a:r>
-          </a:p>
-          <a:p>
-            <a:r>
-              <a:rPr lang="en-GB" sz="1000" dirty="0"/>
+              <a:rPr lang="en-GB" sz="1600" dirty="0"/>
+              <a:t>several </a:t>
+            </a:r>
+            <a:endParaRPr lang="en-GB" sz="1600" dirty="0" smtClean="0"/>
+          </a:p>
+          <a:p>
+            <a:r>
+              <a:rPr lang="en-GB" sz="1600" dirty="0" smtClean="0"/>
+              <a:t>convolutions </a:t>
+            </a:r>
+            <a:endParaRPr lang="en-GB" sz="1600" dirty="0"/>
+          </a:p>
+          <a:p>
+            <a:r>
+              <a:rPr lang="en-GB" sz="1600" dirty="0"/>
               <a:t>and pooling</a:t>
             </a:r>
           </a:p>
@@ -3631,7 +3639,7 @@
         <p:spPr>
           <a:xfrm>
             <a:off x="3630479" y="3915625"/>
-            <a:ext cx="302098" cy="246221"/>
+            <a:ext cx="302098" cy="338554"/>
           </a:xfrm>
           <a:prstGeom prst="rect">
             <a:avLst/>
@@ -3645,7 +3653,7 @@
           <a:lstStyle/>
           <a:p>
             <a:r>
-              <a:rPr lang="en-GB" sz="1000" dirty="0"/>
+              <a:rPr lang="en-GB" sz="1600" dirty="0"/>
               <a:t>2</a:t>
             </a:r>
           </a:p>
@@ -3660,7 +3668,7 @@
         <p:spPr>
           <a:xfrm>
             <a:off x="4652168" y="3212939"/>
-            <a:ext cx="831816" cy="246221"/>
+            <a:ext cx="831816" cy="338554"/>
           </a:xfrm>
           <a:prstGeom prst="rect">
             <a:avLst/>
@@ -3674,7 +3682,7 @@
           <a:lstStyle/>
           <a:p>
             <a:r>
-              <a:rPr lang="en-GB" sz="1000" dirty="0"/>
+              <a:rPr lang="en-GB" sz="1600" dirty="0"/>
               <a:t>256</a:t>
             </a:r>
           </a:p>
@@ -3721,8 +3729,8 @@
         </p:nvSpPr>
         <p:spPr>
           <a:xfrm>
-            <a:off x="5395483" y="3309620"/>
-            <a:ext cx="554960" cy="246221"/>
+            <a:off x="5315005" y="3340335"/>
+            <a:ext cx="762966" cy="338554"/>
           </a:xfrm>
           <a:prstGeom prst="rect">
             <a:avLst/>
@@ -3736,7 +3744,7 @@
           <a:lstStyle/>
           <a:p>
             <a:r>
-              <a:rPr lang="en-GB" sz="1000" dirty="0"/>
+              <a:rPr lang="en-GB" sz="1600" dirty="0"/>
               <a:t>stretch</a:t>
             </a:r>
           </a:p>
@@ -3751,7 +3759,7 @@
         <p:spPr>
           <a:xfrm>
             <a:off x="6825734" y="3127867"/>
-            <a:ext cx="453970" cy="246221"/>
+            <a:ext cx="601447" cy="338554"/>
           </a:xfrm>
           <a:prstGeom prst="rect">
             <a:avLst/>
@@ -3765,7 +3773,7 @@
           <a:lstStyle/>
           <a:p>
             <a:r>
-              <a:rPr lang="en-GB" sz="1000" dirty="0"/>
+              <a:rPr lang="en-GB" sz="1600" dirty="0"/>
               <a:t>1024</a:t>
             </a:r>
           </a:p>
@@ -3780,7 +3788,7 @@
         <p:spPr>
           <a:xfrm>
             <a:off x="9344902" y="3162546"/>
-            <a:ext cx="386644" cy="246221"/>
+            <a:ext cx="497252" cy="338554"/>
           </a:xfrm>
           <a:prstGeom prst="rect">
             <a:avLst/>
@@ -3794,7 +3802,7 @@
           <a:lstStyle/>
           <a:p>
             <a:r>
-              <a:rPr lang="en-GB" sz="1000" dirty="0"/>
+              <a:rPr lang="en-GB" sz="1600" dirty="0"/>
               <a:t>128</a:t>
             </a:r>
           </a:p>
@@ -3808,8 +3816,8 @@
         </p:nvSpPr>
         <p:spPr>
           <a:xfrm>
-            <a:off x="6466352" y="5845630"/>
-            <a:ext cx="1518494" cy="375557"/>
+            <a:off x="6484455" y="5841458"/>
+            <a:ext cx="1412358" cy="465454"/>
           </a:xfrm>
           <a:prstGeom prst="leftArrow">
             <a:avLst/>
@@ -3859,8 +3867,8 @@
         </p:nvSpPr>
         <p:spPr>
           <a:xfrm rot="10800000">
-            <a:off x="9486877" y="5853794"/>
-            <a:ext cx="1518494" cy="375557"/>
+            <a:off x="10792990" y="5841460"/>
+            <a:ext cx="1421337" cy="427329"/>
           </a:xfrm>
           <a:prstGeom prst="leftArrow">
             <a:avLst/>
@@ -3910,8 +3918,8 @@
         </p:nvSpPr>
         <p:spPr>
           <a:xfrm>
-            <a:off x="7984846" y="5913917"/>
-            <a:ext cx="1604927" cy="276999"/>
+            <a:off x="7896813" y="5841460"/>
+            <a:ext cx="2896177" cy="461665"/>
           </a:xfrm>
           <a:prstGeom prst="rect">
             <a:avLst/>
@@ -3925,14 +3933,10 @@
           <a:lstStyle/>
           <a:p>
             <a:r>
-              <a:rPr lang="en-US" altLang="zh-CN" sz="1200" dirty="0"/>
-              <a:t>fully </a:t>
-            </a:r>
-            <a:r>
-              <a:rPr lang="en-US" altLang="zh-CN" sz="1200"/>
-              <a:t>connected layers</a:t>
-            </a:r>
-            <a:endParaRPr lang="en-GB" sz="1200" dirty="0"/>
+              <a:rPr lang="en-US" altLang="zh-CN" sz="2400" dirty="0"/>
+              <a:t>fully connected layers</a:t>
+            </a:r>
+            <a:endParaRPr lang="en-GB" sz="2400" dirty="0"/>
           </a:p>
         </p:txBody>
       </p:sp>
@@ -3994,8 +3998,8 @@
         </p:nvSpPr>
         <p:spPr>
           <a:xfrm>
-            <a:off x="7944760" y="3138422"/>
-            <a:ext cx="984565" cy="246221"/>
+            <a:off x="7622060" y="3154417"/>
+            <a:ext cx="1461747" cy="338554"/>
           </a:xfrm>
           <a:prstGeom prst="rect">
             <a:avLst/>
@@ -4009,10 +4013,10 @@
           <a:lstStyle/>
           <a:p>
             <a:r>
-              <a:rPr lang="en-GB" sz="1000" smtClean="0"/>
+              <a:rPr lang="en-GB" sz="1600" smtClean="0"/>
               <a:t>fully connected</a:t>
             </a:r>
-            <a:endParaRPr lang="en-GB" sz="1000" dirty="0"/>
+            <a:endParaRPr lang="en-GB" sz="1600" dirty="0"/>
           </a:p>
         </p:txBody>
       </p:sp>
@@ -4024,8 +4028,8 @@
         </p:nvSpPr>
         <p:spPr>
           <a:xfrm>
-            <a:off x="10760659" y="3063399"/>
-            <a:ext cx="984565" cy="246221"/>
+            <a:off x="10489240" y="3105765"/>
+            <a:ext cx="1461747" cy="338554"/>
           </a:xfrm>
           <a:prstGeom prst="rect">
             <a:avLst/>
@@ -4039,10 +4043,10 @@
           <a:lstStyle/>
           <a:p>
             <a:r>
-              <a:rPr lang="en-GB" sz="1000" smtClean="0"/>
+              <a:rPr lang="en-GB" sz="1600" smtClean="0"/>
               <a:t>fully connected</a:t>
             </a:r>
-            <a:endParaRPr lang="en-GB" sz="1000" dirty="0"/>
+            <a:endParaRPr lang="en-GB" sz="1600" dirty="0"/>
           </a:p>
         </p:txBody>
       </p:sp>
@@ -4054,8 +4058,8 @@
         </p:nvSpPr>
         <p:spPr>
           <a:xfrm>
-            <a:off x="12929115" y="3030130"/>
-            <a:ext cx="1223412" cy="246221"/>
+            <a:off x="12752072" y="3001244"/>
+            <a:ext cx="1848263" cy="338554"/>
           </a:xfrm>
           <a:prstGeom prst="rect">
             <a:avLst/>
@@ -4069,10 +4073,10 @@
           <a:lstStyle/>
           <a:p>
             <a:r>
-              <a:rPr lang="en-GB" sz="1000" dirty="0" smtClean="0"/>
+              <a:rPr lang="en-GB" sz="1600" dirty="0" smtClean="0"/>
               <a:t>3-class classification</a:t>
             </a:r>
-            <a:endParaRPr lang="en-GB" sz="1000" dirty="0"/>
+            <a:endParaRPr lang="en-GB" sz="1600" dirty="0"/>
           </a:p>
         </p:txBody>
       </p:sp>
@@ -4114,7 +4118,7 @@
         </p:nvSpPr>
         <p:spPr>
           <a:xfrm>
-            <a:off x="4300451" y="2525450"/>
+            <a:off x="4253668" y="2376299"/>
             <a:ext cx="1618937" cy="1648918"/>
           </a:xfrm>
           <a:prstGeom prst="cube">
@@ -4175,7 +4179,7 @@
         </p:blipFill>
         <p:spPr>
           <a:xfrm>
-            <a:off x="1491008" y="2755181"/>
+            <a:off x="720134" y="2743248"/>
             <a:ext cx="1429322" cy="1429322"/>
           </a:xfrm>
           <a:prstGeom prst="rect">
@@ -4191,8 +4195,8 @@
         </p:nvSpPr>
         <p:spPr>
           <a:xfrm>
-            <a:off x="1717676" y="4417964"/>
-            <a:ext cx="797013" cy="369332"/>
+            <a:off x="1057255" y="4279269"/>
+            <a:ext cx="755079" cy="369332"/>
           </a:xfrm>
           <a:prstGeom prst="rect">
             <a:avLst/>
@@ -4220,8 +4224,8 @@
         </p:nvCxnSpPr>
         <p:spPr>
           <a:xfrm>
-            <a:off x="3048355" y="3469841"/>
-            <a:ext cx="1084354" cy="0"/>
+            <a:off x="2518966" y="3457909"/>
+            <a:ext cx="1489918" cy="0"/>
           </a:xfrm>
           <a:prstGeom prst="straightConnector1">
             <a:avLst/>
@@ -4253,8 +4257,8 @@
         </p:nvSpPr>
         <p:spPr>
           <a:xfrm>
-            <a:off x="2934295" y="3657934"/>
-            <a:ext cx="1335622" cy="400110"/>
+            <a:off x="2371995" y="3605973"/>
+            <a:ext cx="1435393" cy="923330"/>
           </a:xfrm>
           <a:prstGeom prst="rect">
             <a:avLst/>
@@ -4268,13 +4272,21 @@
           <a:lstStyle/>
           <a:p>
             <a:r>
-              <a:rPr lang="en-GB" sz="1000" dirty="0"/>
-              <a:t>several convolutions </a:t>
-            </a:r>
-          </a:p>
-          <a:p>
-            <a:r>
-              <a:rPr lang="en-GB" sz="1000" dirty="0"/>
+              <a:rPr lang="en-GB" dirty="0"/>
+              <a:t>several </a:t>
+            </a:r>
+            <a:endParaRPr lang="en-GB" dirty="0" smtClean="0"/>
+          </a:p>
+          <a:p>
+            <a:r>
+              <a:rPr lang="en-GB" dirty="0" smtClean="0"/>
+              <a:t>convolutions </a:t>
+            </a:r>
+            <a:endParaRPr lang="en-GB" dirty="0"/>
+          </a:p>
+          <a:p>
+            <a:r>
+              <a:rPr lang="en-GB" dirty="0"/>
               <a:t>and pooling</a:t>
             </a:r>
           </a:p>
@@ -4288,8 +4300,8 @@
         </p:nvSpPr>
         <p:spPr>
           <a:xfrm>
-            <a:off x="4103210" y="3744473"/>
-            <a:ext cx="302098" cy="246221"/>
+            <a:off x="3975947" y="3623996"/>
+            <a:ext cx="302098" cy="369332"/>
           </a:xfrm>
           <a:prstGeom prst="rect">
             <a:avLst/>
@@ -4303,7 +4315,7 @@
           <a:lstStyle/>
           <a:p>
             <a:r>
-              <a:rPr lang="en-GB" sz="1000"/>
+              <a:rPr lang="en-GB"/>
               <a:t>2</a:t>
             </a:r>
           </a:p>
@@ -4317,8 +4329,8 @@
         </p:nvSpPr>
         <p:spPr>
           <a:xfrm>
-            <a:off x="4405308" y="4172977"/>
-            <a:ext cx="302098" cy="246221"/>
+            <a:off x="4359065" y="4025217"/>
+            <a:ext cx="302098" cy="369332"/>
           </a:xfrm>
           <a:prstGeom prst="rect">
             <a:avLst/>
@@ -4332,7 +4344,7 @@
           <a:lstStyle/>
           <a:p>
             <a:r>
-              <a:rPr lang="en-GB" sz="1000" dirty="0"/>
+              <a:rPr lang="en-GB" dirty="0"/>
               <a:t>2</a:t>
             </a:r>
           </a:p>
@@ -4346,8 +4358,8 @@
         </p:nvSpPr>
         <p:spPr>
           <a:xfrm rot="18752887">
-            <a:off x="5238647" y="3498488"/>
-            <a:ext cx="415908" cy="246221"/>
+            <a:off x="5120541" y="3197292"/>
+            <a:ext cx="818400" cy="369332"/>
           </a:xfrm>
           <a:prstGeom prst="rect">
             <a:avLst/>
@@ -4361,7 +4373,7 @@
           <a:lstStyle/>
           <a:p>
             <a:r>
-              <a:rPr lang="en-GB" sz="1000" dirty="0"/>
+              <a:rPr lang="en-GB" dirty="0"/>
               <a:t>256</a:t>
             </a:r>
           </a:p>
@@ -4375,10 +4387,10 @@
         </p:nvGrpSpPr>
         <p:grpSpPr>
           <a:xfrm>
-            <a:off x="5677920" y="2616749"/>
-            <a:ext cx="924195" cy="992231"/>
-            <a:chOff x="5264849" y="2175308"/>
-            <a:chExt cx="924195" cy="992231"/>
+            <a:off x="5648944" y="2616749"/>
+            <a:ext cx="1118403" cy="1061030"/>
+            <a:chOff x="5235873" y="2175308"/>
+            <a:chExt cx="1118403" cy="1061030"/>
           </a:xfrm>
         </p:grpSpPr>
         <p:sp>
@@ -4442,8 +4454,8 @@
           </p:nvSpPr>
           <p:spPr>
             <a:xfrm>
-              <a:off x="5264849" y="2710043"/>
-              <a:ext cx="302098" cy="246221"/>
+              <a:off x="5235873" y="2648980"/>
+              <a:ext cx="302098" cy="369332"/>
             </a:xfrm>
             <a:prstGeom prst="rect">
               <a:avLst/>
@@ -4457,7 +4469,7 @@
             <a:lstStyle/>
             <a:p>
               <a:r>
-                <a:rPr lang="en-GB" sz="1000" dirty="0"/>
+                <a:rPr lang="en-GB" dirty="0"/>
                 <a:t>2</a:t>
               </a:r>
             </a:p>
@@ -4471,8 +4483,8 @@
           </p:nvSpPr>
           <p:spPr>
             <a:xfrm>
-              <a:off x="5415898" y="2921318"/>
-              <a:ext cx="213014" cy="246221"/>
+              <a:off x="5410362" y="2867006"/>
+              <a:ext cx="213014" cy="369332"/>
             </a:xfrm>
             <a:prstGeom prst="rect">
               <a:avLst/>
@@ -4486,7 +4498,7 @@
             <a:lstStyle/>
             <a:p>
               <a:r>
-                <a:rPr lang="en-GB" sz="1000" dirty="0"/>
+                <a:rPr lang="en-GB" dirty="0"/>
                 <a:t>2</a:t>
               </a:r>
             </a:p>
@@ -4500,8 +4512,8 @@
           </p:nvSpPr>
           <p:spPr>
             <a:xfrm rot="18805002">
-              <a:off x="5855840" y="2558322"/>
-              <a:ext cx="415908" cy="246221"/>
+              <a:off x="5807696" y="2384934"/>
+              <a:ext cx="723827" cy="369332"/>
             </a:xfrm>
             <a:prstGeom prst="rect">
               <a:avLst/>
@@ -4515,7 +4527,7 @@
             <a:lstStyle/>
             <a:p>
               <a:r>
-                <a:rPr lang="en-GB" sz="1000" dirty="0"/>
+                <a:rPr lang="en-GB" dirty="0"/>
                 <a:t>256</a:t>
               </a:r>
             </a:p>
@@ -4716,8 +4728,8 @@
         </p:nvSpPr>
         <p:spPr>
           <a:xfrm>
-            <a:off x="6655323" y="3652785"/>
-            <a:ext cx="832279" cy="246221"/>
+            <a:off x="6624398" y="3749736"/>
+            <a:ext cx="1292726" cy="369332"/>
           </a:xfrm>
           <a:prstGeom prst="rect">
             <a:avLst/>
@@ -4731,7 +4743,7 @@
           <a:lstStyle/>
           <a:p>
             <a:r>
-              <a:rPr lang="en-GB" sz="1000" dirty="0"/>
+              <a:rPr lang="en-GB" dirty="0"/>
               <a:t>convolution</a:t>
             </a:r>
           </a:p>
@@ -4745,10 +4757,10 @@
         </p:nvGrpSpPr>
         <p:grpSpPr>
           <a:xfrm>
-            <a:off x="6494727" y="2626757"/>
-            <a:ext cx="924195" cy="992231"/>
-            <a:chOff x="5264849" y="2175308"/>
-            <a:chExt cx="924195" cy="992231"/>
+            <a:off x="6452680" y="2626757"/>
+            <a:ext cx="1118081" cy="1056223"/>
+            <a:chOff x="5222802" y="2175308"/>
+            <a:chExt cx="1118081" cy="1056223"/>
           </a:xfrm>
         </p:grpSpPr>
         <p:sp>
@@ -4812,8 +4824,8 @@
           </p:nvSpPr>
           <p:spPr>
             <a:xfrm>
-              <a:off x="5264849" y="2710043"/>
-              <a:ext cx="302098" cy="246221"/>
+              <a:off x="5222802" y="2649703"/>
+              <a:ext cx="302098" cy="369332"/>
             </a:xfrm>
             <a:prstGeom prst="rect">
               <a:avLst/>
@@ -4827,7 +4839,7 @@
             <a:lstStyle/>
             <a:p>
               <a:r>
-                <a:rPr lang="en-GB" sz="1000" dirty="0"/>
+                <a:rPr lang="en-GB" dirty="0"/>
                 <a:t>2</a:t>
               </a:r>
             </a:p>
@@ -4841,8 +4853,8 @@
           </p:nvSpPr>
           <p:spPr>
             <a:xfrm>
-              <a:off x="5415898" y="2921318"/>
-              <a:ext cx="213014" cy="246221"/>
+              <a:off x="5412046" y="2862199"/>
+              <a:ext cx="213014" cy="369332"/>
             </a:xfrm>
             <a:prstGeom prst="rect">
               <a:avLst/>
@@ -4856,7 +4868,7 @@
             <a:lstStyle/>
             <a:p>
               <a:r>
-                <a:rPr lang="en-GB" sz="1000" dirty="0"/>
+                <a:rPr lang="en-GB" dirty="0"/>
                 <a:t>2</a:t>
               </a:r>
             </a:p>
@@ -4870,8 +4882,8 @@
           </p:nvSpPr>
           <p:spPr>
             <a:xfrm rot="18805002">
-              <a:off x="5855840" y="2558322"/>
-              <a:ext cx="415908" cy="246221"/>
+              <a:off x="5813789" y="2399088"/>
+              <a:ext cx="684855" cy="369332"/>
             </a:xfrm>
             <a:prstGeom prst="rect">
               <a:avLst/>
@@ -4885,7 +4897,7 @@
             <a:lstStyle/>
             <a:p>
               <a:r>
-                <a:rPr lang="en-GB" sz="1000" dirty="0"/>
+                <a:rPr lang="en-GB" dirty="0"/>
                 <a:t>256</a:t>
               </a:r>
             </a:p>
@@ -4900,10 +4912,10 @@
         </p:nvGrpSpPr>
         <p:grpSpPr>
           <a:xfrm>
-            <a:off x="7960486" y="2636765"/>
-            <a:ext cx="924195" cy="992231"/>
-            <a:chOff x="5264849" y="2175308"/>
-            <a:chExt cx="924195" cy="992231"/>
+            <a:off x="7922705" y="2636765"/>
+            <a:ext cx="1071391" cy="1038358"/>
+            <a:chOff x="5227068" y="2175308"/>
+            <a:chExt cx="1071391" cy="1038358"/>
           </a:xfrm>
         </p:grpSpPr>
         <p:sp>
@@ -4967,8 +4979,8 @@
           </p:nvSpPr>
           <p:spPr>
             <a:xfrm>
-              <a:off x="5264849" y="2710043"/>
-              <a:ext cx="302098" cy="246221"/>
+              <a:off x="5227068" y="2648486"/>
+              <a:ext cx="302098" cy="369332"/>
             </a:xfrm>
             <a:prstGeom prst="rect">
               <a:avLst/>
@@ -4982,7 +4994,7 @@
             <a:lstStyle/>
             <a:p>
               <a:r>
-                <a:rPr lang="en-GB" sz="1000" dirty="0"/>
+                <a:rPr lang="en-GB" dirty="0"/>
                 <a:t>2</a:t>
               </a:r>
             </a:p>
@@ -4996,8 +5008,8 @@
           </p:nvSpPr>
           <p:spPr>
             <a:xfrm>
-              <a:off x="5415898" y="2921318"/>
-              <a:ext cx="213014" cy="246221"/>
+              <a:off x="5400015" y="2844334"/>
+              <a:ext cx="213014" cy="369332"/>
             </a:xfrm>
             <a:prstGeom prst="rect">
               <a:avLst/>
@@ -5011,7 +5023,7 @@
             <a:lstStyle/>
             <a:p>
               <a:r>
-                <a:rPr lang="en-GB" sz="1000" dirty="0"/>
+                <a:rPr lang="en-GB" dirty="0"/>
                 <a:t>2</a:t>
               </a:r>
             </a:p>
@@ -5025,8 +5037,8 @@
           </p:nvSpPr>
           <p:spPr>
             <a:xfrm rot="18805002">
-              <a:off x="5855840" y="2558322"/>
-              <a:ext cx="415908" cy="246221"/>
+              <a:off x="5833092" y="2443925"/>
+              <a:ext cx="561402" cy="369332"/>
             </a:xfrm>
             <a:prstGeom prst="rect">
               <a:avLst/>
@@ -5040,7 +5052,7 @@
             <a:lstStyle/>
             <a:p>
               <a:r>
-                <a:rPr lang="en-GB" sz="1000" dirty="0"/>
+                <a:rPr lang="en-GB" dirty="0"/>
                 <a:t>256</a:t>
               </a:r>
             </a:p>
@@ -5055,8 +5067,8 @@
         </p:nvSpPr>
         <p:spPr>
           <a:xfrm>
-            <a:off x="6433306" y="3893275"/>
-            <a:ext cx="1276311" cy="246221"/>
+            <a:off x="6271265" y="4020009"/>
+            <a:ext cx="2033570" cy="369332"/>
           </a:xfrm>
           <a:prstGeom prst="rect">
             <a:avLst/>
@@ -5070,10 +5082,9 @@
           <a:lstStyle/>
           <a:p>
             <a:r>
-              <a:rPr lang="en-GB" sz="1000"/>
+              <a:rPr lang="en-GB" dirty="0"/>
               <a:t>filter size = 2x2x256</a:t>
             </a:r>
-            <a:endParaRPr lang="en-GB" sz="1000" dirty="0"/>
           </a:p>
         </p:txBody>
       </p:sp>
@@ -5133,7 +5144,7 @@
         <p:spPr>
           <a:xfrm>
             <a:off x="7232011" y="2064061"/>
-            <a:ext cx="386644" cy="400110"/>
+            <a:ext cx="535724" cy="646331"/>
           </a:xfrm>
           <a:prstGeom prst="rect">
             <a:avLst/>
@@ -5147,12 +5158,12 @@
           <a:lstStyle/>
           <a:p>
             <a:r>
-              <a:rPr lang="en-GB" sz="1000" dirty="0"/>
+              <a:rPr lang="en-GB" dirty="0"/>
               <a:t>128</a:t>
             </a:r>
           </a:p>
           <a:p>
-            <a:endParaRPr lang="en-GB" sz="1000" dirty="0"/>
+            <a:endParaRPr lang="en-GB" dirty="0"/>
           </a:p>
         </p:txBody>
       </p:sp>
@@ -5164,8 +5175,8 @@
         </p:nvSpPr>
         <p:spPr>
           <a:xfrm>
-            <a:off x="8519535" y="3794196"/>
-            <a:ext cx="302098" cy="246221"/>
+            <a:off x="8505375" y="3711599"/>
+            <a:ext cx="302098" cy="369332"/>
           </a:xfrm>
           <a:prstGeom prst="rect">
             <a:avLst/>
@@ -5179,7 +5190,7 @@
           <a:lstStyle/>
           <a:p>
             <a:r>
-              <a:rPr lang="en-GB" sz="1000"/>
+              <a:rPr lang="en-GB"/>
               <a:t>1</a:t>
             </a:r>
           </a:p>
@@ -5193,8 +5204,8 @@
         </p:nvSpPr>
         <p:spPr>
           <a:xfrm>
-            <a:off x="8874438" y="4184504"/>
-            <a:ext cx="302098" cy="246221"/>
+            <a:off x="8862764" y="4091586"/>
+            <a:ext cx="302098" cy="369332"/>
           </a:xfrm>
           <a:prstGeom prst="rect">
             <a:avLst/>
@@ -5208,7 +5219,7 @@
           <a:lstStyle/>
           <a:p>
             <a:r>
-              <a:rPr lang="en-GB" sz="1000"/>
+              <a:rPr lang="en-GB"/>
               <a:t>1</a:t>
             </a:r>
           </a:p>
@@ -5222,8 +5233,8 @@
         </p:nvSpPr>
         <p:spPr>
           <a:xfrm rot="18752887">
-            <a:off x="9690487" y="3449377"/>
-            <a:ext cx="415908" cy="246221"/>
+            <a:off x="9637108" y="3266370"/>
+            <a:ext cx="745620" cy="369332"/>
           </a:xfrm>
           <a:prstGeom prst="rect">
             <a:avLst/>
@@ -5237,7 +5248,7 @@
           <a:lstStyle/>
           <a:p>
             <a:r>
-              <a:rPr lang="en-GB" sz="1000" dirty="0"/>
+              <a:rPr lang="en-GB" dirty="0"/>
               <a:t>128</a:t>
             </a:r>
           </a:p>
@@ -5284,10 +5295,10 @@
         </p:nvGrpSpPr>
         <p:grpSpPr>
           <a:xfrm>
-            <a:off x="10322550" y="2594247"/>
-            <a:ext cx="924195" cy="992231"/>
-            <a:chOff x="9214474" y="2533286"/>
-            <a:chExt cx="924195" cy="992231"/>
+            <a:off x="10264321" y="2594247"/>
+            <a:ext cx="1120798" cy="1061045"/>
+            <a:chOff x="9156245" y="2533286"/>
+            <a:chExt cx="1120798" cy="1061045"/>
           </a:xfrm>
         </p:grpSpPr>
         <p:sp>
@@ -5351,8 +5362,8 @@
           </p:nvSpPr>
           <p:spPr>
             <a:xfrm>
-              <a:off x="9214474" y="3068021"/>
-              <a:ext cx="302098" cy="246221"/>
+              <a:off x="9156245" y="3021428"/>
+              <a:ext cx="246780" cy="369332"/>
             </a:xfrm>
             <a:prstGeom prst="rect">
               <a:avLst/>
@@ -5366,7 +5377,7 @@
             <a:lstStyle/>
             <a:p>
               <a:r>
-                <a:rPr lang="en-GB" sz="1000" dirty="0"/>
+                <a:rPr lang="en-GB" dirty="0"/>
                 <a:t>1</a:t>
               </a:r>
             </a:p>
@@ -5380,8 +5391,8 @@
           </p:nvSpPr>
           <p:spPr>
             <a:xfrm>
-              <a:off x="9365523" y="3279296"/>
-              <a:ext cx="213014" cy="246221"/>
+              <a:off x="9360158" y="3224999"/>
+              <a:ext cx="213014" cy="369332"/>
             </a:xfrm>
             <a:prstGeom prst="rect">
               <a:avLst/>
@@ -5395,7 +5406,7 @@
             <a:lstStyle/>
             <a:p>
               <a:r>
-                <a:rPr lang="en-GB" sz="1000" dirty="0"/>
+                <a:rPr lang="en-GB" dirty="0"/>
                 <a:t>1</a:t>
               </a:r>
             </a:p>
@@ -5409,8 +5420,8 @@
           </p:nvSpPr>
           <p:spPr>
             <a:xfrm rot="18805002">
-              <a:off x="9805465" y="2916300"/>
-              <a:ext cx="415908" cy="246221"/>
+              <a:off x="9769541" y="2771297"/>
+              <a:ext cx="645672" cy="369332"/>
             </a:xfrm>
             <a:prstGeom prst="rect">
               <a:avLst/>
@@ -5424,7 +5435,7 @@
             <a:lstStyle/>
             <a:p>
               <a:r>
-                <a:rPr lang="en-GB" sz="1000" dirty="0"/>
+                <a:rPr lang="en-GB" dirty="0"/>
                 <a:t>128</a:t>
               </a:r>
             </a:p>
@@ -5439,10 +5450,10 @@
         </p:nvGrpSpPr>
         <p:grpSpPr>
           <a:xfrm>
-            <a:off x="10965822" y="2620585"/>
-            <a:ext cx="924195" cy="992231"/>
-            <a:chOff x="9214474" y="2533286"/>
-            <a:chExt cx="924195" cy="992231"/>
+            <a:off x="11062807" y="2611458"/>
+            <a:ext cx="1133308" cy="1083439"/>
+            <a:chOff x="9163013" y="2533286"/>
+            <a:chExt cx="1133308" cy="1083439"/>
           </a:xfrm>
         </p:grpSpPr>
         <p:sp>
@@ -5506,8 +5517,8 @@
           </p:nvSpPr>
           <p:spPr>
             <a:xfrm>
-              <a:off x="9214474" y="3068021"/>
-              <a:ext cx="302098" cy="246221"/>
+              <a:off x="9163013" y="3007360"/>
+              <a:ext cx="302098" cy="369332"/>
             </a:xfrm>
             <a:prstGeom prst="rect">
               <a:avLst/>
@@ -5521,7 +5532,7 @@
             <a:lstStyle/>
             <a:p>
               <a:r>
-                <a:rPr lang="en-GB" sz="1000" dirty="0"/>
+                <a:rPr lang="en-GB" dirty="0"/>
                 <a:t>1</a:t>
               </a:r>
             </a:p>
@@ -5535,8 +5546,8 @@
           </p:nvSpPr>
           <p:spPr>
             <a:xfrm>
-              <a:off x="9365523" y="3279296"/>
-              <a:ext cx="213014" cy="246221"/>
+              <a:off x="9358604" y="3247393"/>
+              <a:ext cx="213014" cy="369332"/>
             </a:xfrm>
             <a:prstGeom prst="rect">
               <a:avLst/>
@@ -5550,7 +5561,7 @@
             <a:lstStyle/>
             <a:p>
               <a:r>
-                <a:rPr lang="en-GB" sz="1000" dirty="0"/>
+                <a:rPr lang="en-GB" dirty="0"/>
                 <a:t>1</a:t>
               </a:r>
             </a:p>
@@ -5564,8 +5575,8 @@
           </p:nvSpPr>
           <p:spPr>
             <a:xfrm rot="18805002">
-              <a:off x="9805465" y="2916300"/>
-              <a:ext cx="415908" cy="246221"/>
+              <a:off x="9760770" y="2750923"/>
+              <a:ext cx="701769" cy="369332"/>
             </a:xfrm>
             <a:prstGeom prst="rect">
               <a:avLst/>
@@ -5579,7 +5590,7 @@
             <a:lstStyle/>
             <a:p>
               <a:r>
-                <a:rPr lang="en-GB" sz="1000" dirty="0"/>
+                <a:rPr lang="en-GB" dirty="0"/>
                 <a:t>128</a:t>
               </a:r>
             </a:p>
@@ -5594,10 +5605,10 @@
         </p:nvGrpSpPr>
         <p:grpSpPr>
           <a:xfrm>
-            <a:off x="11656711" y="2613875"/>
-            <a:ext cx="924195" cy="992231"/>
-            <a:chOff x="9214474" y="2533286"/>
-            <a:chExt cx="924195" cy="992231"/>
+            <a:off x="11816517" y="2567298"/>
+            <a:ext cx="1144117" cy="1144301"/>
+            <a:chOff x="9199386" y="2466190"/>
+            <a:chExt cx="1144117" cy="1144301"/>
           </a:xfrm>
         </p:grpSpPr>
         <p:sp>
@@ -5661,8 +5672,8 @@
           </p:nvSpPr>
           <p:spPr>
             <a:xfrm>
-              <a:off x="9214474" y="3068021"/>
-              <a:ext cx="302098" cy="246221"/>
+              <a:off x="9199386" y="3039791"/>
+              <a:ext cx="302098" cy="369332"/>
             </a:xfrm>
             <a:prstGeom prst="rect">
               <a:avLst/>
@@ -5676,7 +5687,7 @@
             <a:lstStyle/>
             <a:p>
               <a:r>
-                <a:rPr lang="en-GB" sz="1000" dirty="0"/>
+                <a:rPr lang="en-GB" dirty="0"/>
                 <a:t>1</a:t>
               </a:r>
             </a:p>
@@ -5690,8 +5701,8 @@
           </p:nvSpPr>
           <p:spPr>
             <a:xfrm>
-              <a:off x="9365523" y="3279296"/>
-              <a:ext cx="213014" cy="246221"/>
+              <a:off x="9358239" y="3241159"/>
+              <a:ext cx="213014" cy="369332"/>
             </a:xfrm>
             <a:prstGeom prst="rect">
               <a:avLst/>
@@ -5705,7 +5716,7 @@
             <a:lstStyle/>
             <a:p>
               <a:r>
-                <a:rPr lang="en-GB" sz="1000" dirty="0"/>
+                <a:rPr lang="en-GB" dirty="0"/>
                 <a:t>1</a:t>
               </a:r>
             </a:p>
@@ -5719,8 +5730,8 @@
           </p:nvSpPr>
           <p:spPr>
             <a:xfrm rot="18805002">
-              <a:off x="9805465" y="2916300"/>
-              <a:ext cx="415908" cy="246221"/>
+              <a:off x="9739303" y="2701058"/>
+              <a:ext cx="839068" cy="369332"/>
             </a:xfrm>
             <a:prstGeom prst="rect">
               <a:avLst/>
@@ -5734,7 +5745,7 @@
             <a:lstStyle/>
             <a:p>
               <a:r>
-                <a:rPr lang="en-GB" sz="1000" dirty="0"/>
+                <a:rPr lang="en-GB" dirty="0"/>
                 <a:t>128</a:t>
               </a:r>
             </a:p>
@@ -5749,7 +5760,7 @@
         </p:nvSpPr>
         <p:spPr>
           <a:xfrm>
-            <a:off x="12990196" y="3155320"/>
+            <a:off x="12834312" y="3077992"/>
             <a:ext cx="863853" cy="824929"/>
           </a:xfrm>
           <a:prstGeom prst="cube">
@@ -5796,8 +5807,8 @@
         </p:nvSpPr>
         <p:spPr>
           <a:xfrm>
-            <a:off x="12688098" y="3647054"/>
-            <a:ext cx="302098" cy="246221"/>
+            <a:off x="12485322" y="3526933"/>
+            <a:ext cx="302098" cy="369332"/>
           </a:xfrm>
           <a:prstGeom prst="rect">
             <a:avLst/>
@@ -5811,7 +5822,7 @@
           <a:lstStyle/>
           <a:p>
             <a:r>
-              <a:rPr lang="en-GB" sz="1000"/>
+              <a:rPr lang="en-GB"/>
               <a:t>1</a:t>
             </a:r>
           </a:p>
@@ -5825,8 +5836,8 @@
         </p:nvSpPr>
         <p:spPr>
           <a:xfrm>
-            <a:off x="13120024" y="3995957"/>
-            <a:ext cx="302098" cy="246221"/>
+            <a:off x="12917248" y="3875836"/>
+            <a:ext cx="302098" cy="369332"/>
           </a:xfrm>
           <a:prstGeom prst="rect">
             <a:avLst/>
@@ -5840,7 +5851,7 @@
           <a:lstStyle/>
           <a:p>
             <a:r>
-              <a:rPr lang="en-GB" sz="1000"/>
+              <a:rPr lang="en-GB"/>
               <a:t>1</a:t>
             </a:r>
           </a:p>
@@ -5854,8 +5865,8 @@
         </p:nvSpPr>
         <p:spPr>
           <a:xfrm>
-            <a:off x="13657520" y="3685827"/>
-            <a:ext cx="302098" cy="246221"/>
+            <a:off x="13507258" y="3670117"/>
+            <a:ext cx="302098" cy="369332"/>
           </a:xfrm>
           <a:prstGeom prst="rect">
             <a:avLst/>
@@ -5869,7 +5880,7 @@
           <a:lstStyle/>
           <a:p>
             <a:r>
-              <a:rPr lang="en-US" altLang="zh-CN" sz="1000" dirty="0" smtClean="0"/>
+              <a:rPr lang="en-US" altLang="zh-CN" dirty="0" smtClean="0"/>
               <a:t>3</a:t>
             </a:r>
           </a:p>
@@ -5884,7 +5895,7 @@
         <p:spPr>
           <a:xfrm>
             <a:off x="11463973" y="2017065"/>
-            <a:ext cx="250390" cy="246221"/>
+            <a:ext cx="301686" cy="369332"/>
           </a:xfrm>
           <a:prstGeom prst="rect">
             <a:avLst/>
@@ -5898,10 +5909,10 @@
           <a:lstStyle/>
           <a:p>
             <a:r>
-              <a:rPr lang="en-US" altLang="zh-CN" sz="1000" dirty="0"/>
+              <a:rPr lang="en-US" altLang="zh-CN" dirty="0"/>
               <a:t>3</a:t>
             </a:r>
-            <a:endParaRPr lang="en-GB" sz="1000" dirty="0"/>
+            <a:endParaRPr lang="en-GB" dirty="0"/>
           </a:p>
         </p:txBody>
       </p:sp>
